--- a/assets/MASK RCNN.pptx
+++ b/assets/MASK RCNN.pptx
@@ -2682,7 +2682,6 @@
             </a:pPr>
             <a:r>
               <a:rPr lang="en-US" altLang="zh-CN">
-                <a:ln/>
                 <a:solidFill>
                   <a:schemeClr val="tx1"/>
                 </a:solidFill>
@@ -2873,7 +2872,6 @@
             </a:pPr>
             <a:r>
               <a:rPr lang="en-US" altLang="zh-CN">
-                <a:ln/>
                 <a:solidFill>
                   <a:schemeClr val="tx1"/>
                 </a:solidFill>
@@ -2888,7 +2886,6 @@
               <a:t>Inference</a:t>
             </a:r>
             <a:endParaRPr lang="en-US" altLang="zh-CN">
-              <a:ln/>
               <a:solidFill>
                 <a:schemeClr val="accent4"/>
               </a:solidFill>
@@ -2901,7 +2898,6 @@
               </a:lnSpc>
             </a:pPr>
             <a:endParaRPr lang="en-US" altLang="zh-CN">
-              <a:ln/>
               <a:solidFill>
                 <a:schemeClr val="accent4"/>
               </a:solidFill>
@@ -2914,7 +2910,6 @@
               </a:lnSpc>
             </a:pPr>
             <a:endParaRPr lang="en-US" altLang="zh-CN">
-              <a:ln/>
               <a:solidFill>
                 <a:schemeClr val="accent4"/>
               </a:solidFill>
@@ -2927,7 +2922,6 @@
               </a:lnSpc>
             </a:pPr>
             <a:endParaRPr lang="en-US" altLang="zh-CN">
-              <a:ln/>
               <a:solidFill>
                 <a:schemeClr val="accent4"/>
               </a:solidFill>
@@ -3360,7 +3354,7 @@
         <p:spPr>
           <a:xfrm>
             <a:off x="5813425" y="4425950"/>
-            <a:ext cx="914400" cy="514350"/>
+            <a:ext cx="1003935" cy="514350"/>
           </a:xfrm>
           <a:prstGeom prst="rect">
             <a:avLst/>
@@ -5379,7 +5373,7 @@
         </p:nvSpPr>
         <p:spPr>
           <a:xfrm>
-            <a:off x="8101965" y="545465"/>
+            <a:off x="8015605" y="768350"/>
             <a:ext cx="1160780" cy="275590"/>
           </a:xfrm>
           <a:prstGeom prst="rect">
@@ -8902,13 +8896,14 @@
           <p:cNvPr id="12" name="直接箭头连接符 11"/>
           <p:cNvCxnSpPr>
             <a:stCxn id="10" idx="3"/>
+            <a:endCxn id="11" idx="1"/>
           </p:cNvCxnSpPr>
           <p:nvPr/>
         </p:nvCxnSpPr>
         <p:spPr>
-          <a:xfrm flipV="1">
-            <a:off x="1878330" y="1880235"/>
-            <a:ext cx="1760855" cy="12700"/>
+          <a:xfrm>
+            <a:off x="1878330" y="1909445"/>
+            <a:ext cx="1752600" cy="0"/>
           </a:xfrm>
           <a:prstGeom prst="straightConnector1">
             <a:avLst/>
@@ -9014,7 +9009,7 @@
         </p:nvCxnSpPr>
         <p:spPr>
           <a:xfrm>
-            <a:off x="3707130" y="1892935"/>
+            <a:off x="3707130" y="1909445"/>
             <a:ext cx="1435100" cy="635"/>
           </a:xfrm>
           <a:prstGeom prst="straightConnector1">
@@ -9079,7 +9074,7 @@
         </p:nvSpPr>
         <p:spPr>
           <a:xfrm>
-            <a:off x="2649855" y="3804285"/>
+            <a:off x="3669030" y="3804285"/>
             <a:ext cx="76200" cy="579120"/>
           </a:xfrm>
           <a:prstGeom prst="rect">
@@ -9118,7 +9113,7 @@
         </p:nvSpPr>
         <p:spPr>
           <a:xfrm>
-            <a:off x="2388235" y="3159760"/>
+            <a:off x="3025140" y="3159760"/>
             <a:ext cx="1663700" cy="460375"/>
           </a:xfrm>
           <a:prstGeom prst="rect">
@@ -9150,7 +9145,7 @@
         </p:nvSpPr>
         <p:spPr>
           <a:xfrm>
-            <a:off x="4161155" y="3571240"/>
+            <a:off x="5142230" y="3571240"/>
             <a:ext cx="76200" cy="1045845"/>
           </a:xfrm>
           <a:prstGeom prst="rect">
@@ -9192,8 +9187,8 @@
         </p:nvCxnSpPr>
         <p:spPr>
           <a:xfrm>
-            <a:off x="2726055" y="4077335"/>
-            <a:ext cx="1435100" cy="635"/>
+            <a:off x="3745230" y="4093845"/>
+            <a:ext cx="1397000" cy="635"/>
           </a:xfrm>
           <a:prstGeom prst="straightConnector1">
             <a:avLst/>
@@ -9225,7 +9220,7 @@
         </p:nvSpPr>
         <p:spPr>
           <a:xfrm>
-            <a:off x="4051935" y="3159760"/>
+            <a:off x="4688840" y="3213735"/>
             <a:ext cx="1663700" cy="275590"/>
           </a:xfrm>
           <a:prstGeom prst="rect">
@@ -9257,12 +9252,12 @@
         </p:nvCxnSpPr>
         <p:spPr>
           <a:xfrm>
-            <a:off x="1878330" y="1892935"/>
-            <a:ext cx="771525" cy="2184400"/>
+            <a:off x="1878330" y="1909445"/>
+            <a:ext cx="1790700" cy="2184400"/>
           </a:xfrm>
           <a:prstGeom prst="bentConnector3">
             <a:avLst>
-              <a:gd name="adj1" fmla="val 50041"/>
+              <a:gd name="adj1" fmla="val 10106"/>
             </a:avLst>
           </a:prstGeom>
           <a:ln>
@@ -9358,12 +9353,15 @@
       <p:cxnSp>
         <p:nvCxnSpPr>
           <p:cNvPr id="27" name="直接箭头连接符 26"/>
-          <p:cNvCxnSpPr/>
+          <p:cNvCxnSpPr>
+            <a:stCxn id="16" idx="3"/>
+            <a:endCxn id="25" idx="1"/>
+          </p:cNvCxnSpPr>
           <p:nvPr/>
         </p:nvCxnSpPr>
         <p:spPr>
           <a:xfrm>
-            <a:off x="5218430" y="1909445"/>
+            <a:off x="5218430" y="1910080"/>
             <a:ext cx="1435100" cy="0"/>
           </a:xfrm>
           <a:prstGeom prst="straightConnector1">
@@ -9483,7 +9481,7 @@
         </p:nvSpPr>
         <p:spPr>
           <a:xfrm>
-            <a:off x="3942715" y="4617085"/>
+            <a:off x="4961890" y="4617085"/>
             <a:ext cx="780415" cy="275590"/>
           </a:xfrm>
           <a:prstGeom prst="rect">
@@ -9702,7 +9700,7 @@
         </p:nvSpPr>
         <p:spPr>
           <a:xfrm>
-            <a:off x="1991995" y="2199005"/>
+            <a:off x="1972945" y="2882900"/>
             <a:ext cx="734060" cy="1014730"/>
           </a:xfrm>
           <a:prstGeom prst="rect">
@@ -9763,7 +9761,7 @@
         </p:nvSpPr>
         <p:spPr>
           <a:xfrm>
-            <a:off x="3076575" y="3620135"/>
+            <a:off x="4095750" y="3620135"/>
             <a:ext cx="734060" cy="460375"/>
           </a:xfrm>
           <a:prstGeom prst="rect">
